--- a/Poster.pptx
+++ b/Poster.pptx
@@ -197,7 +197,7 @@
           <a:p>
             <a:fld id="{2E36F475-F7F5-6C41-B37C-656C49194CAF}" type="datetimeFigureOut">
               <a:rPr lang="en-US" smtClean="0"/>
-              <a:t>7/15/2024</a:t>
+              <a:t>7/16/2024</a:t>
             </a:fld>
             <a:endParaRPr lang="en-US"/>
           </a:p>
@@ -2828,7 +2828,7 @@
         <p:spPr>
           <a:xfrm>
             <a:off x="1627909" y="5469497"/>
-            <a:ext cx="24996017" cy="4377802"/>
+            <a:ext cx="24996017" cy="5301131"/>
           </a:xfrm>
           <a:prstGeom prst="rect">
             <a:avLst/>
@@ -2876,7 +2876,7 @@
           <a:p>
             <a:pPr algn="l" rtl="0" fontAlgn="base"/>
             <a:r>
-              <a:rPr lang="en-GB" sz="2800" b="0" i="0" dirty="0">
+              <a:rPr lang="en-GB" sz="3200" b="0" i="0" dirty="0">
                 <a:solidFill>
                   <a:srgbClr val="000000"/>
                 </a:solidFill>
@@ -2888,7 +2888,7 @@
               </a:rPr>
               <a:t>The computing infrastructure at the National Synchrotron Light Source II (NSLS-II) at Brookhaven National Laboratory (BNL) contains a lot of important, sensitive information and data that requires robust protection and protocols to maintain a secure environment. Cyberattacks are becoming increasingly more common as technology improves and more types of attacks become available, and three out of four companies in the U.S. were at risk of cyberattacks. The most targeted industries of 2024 so far are research, government, military, and healthcare. A great way to prevent cyberattacks is keeping equipment and software current with all the patches and updates. It is also key to make sure that staff and guests are aware any new cyber procedures and policies that are required. My project is to look into how cybersecurity policies, procedures, and best practices are implemented at the NSLS-II facility. Cyber security plays a big part in NSLS-II's mission of advancing science because of how reliant our researchers are on technology</a:t>
             </a:r>
-            <a:endParaRPr lang="en-US" sz="2800" dirty="0"/>
+            <a:endParaRPr lang="en-US" sz="3200" dirty="0"/>
           </a:p>
         </p:txBody>
       </p:sp>
@@ -2906,8 +2906,8 @@
         </p:nvSpPr>
         <p:spPr>
           <a:xfrm>
-            <a:off x="1913860" y="10611293"/>
-            <a:ext cx="10717619" cy="9399368"/>
+            <a:off x="1627908" y="12205631"/>
+            <a:ext cx="13701278" cy="5455019"/>
           </a:xfrm>
           <a:prstGeom prst="rect">
             <a:avLst/>
@@ -2928,22 +2928,127 @@
           </a:p>
           <a:p>
             <a:r>
+              <a:rPr lang="en-US" sz="3200" dirty="0"/>
+              <a:t>Cyber security is an important part of keeping BNL safe and protected. At the start of my project, I was working on getting a telepresence robot on the network safely while making sure It follows NSLS-II cyber policies and procedures. But everything in the IT world doesn’t always go as planned. After many failed attempts connecting the robot to the network after further research, I learned that the robot has specific requirements and can't just join any network. So, In the meantime of communicating with the IT department to try to get passed this, I work on a various of other tasks that will prepare me for my future in cyber security. </a:t>
+            </a:r>
+          </a:p>
+        </p:txBody>
+      </p:sp>
+      <p:sp>
+        <p:nvSpPr>
+          <p:cNvPr id="4" name="TextBox 3">
+            <a:extLst>
+              <a:ext uri="{FF2B5EF4-FFF2-40B4-BE49-F238E27FC236}">
+                <a16:creationId xmlns:a16="http://schemas.microsoft.com/office/drawing/2014/main" id="{88E0E6F4-C3F7-F9E2-6F71-379DAC58A62E}"/>
+              </a:ext>
+            </a:extLst>
+          </p:cNvPr>
+          <p:cNvSpPr txBox="1"/>
+          <p:nvPr/>
+        </p:nvSpPr>
+        <p:spPr>
+          <a:xfrm>
+            <a:off x="15458958" y="12560214"/>
+            <a:ext cx="11915245" cy="7917232"/>
+          </a:xfrm>
+          <a:prstGeom prst="rect">
+            <a:avLst/>
+          </a:prstGeom>
+          <a:noFill/>
+        </p:spPr>
+        <p:txBody>
+          <a:bodyPr wrap="square" rtlCol="0">
+            <a:spAutoFit/>
+          </a:bodyPr>
+          <a:lstStyle/>
+          <a:p>
+            <a:pPr algn="ctr"/>
+            <a:r>
               <a:rPr lang="en-US" dirty="0"/>
-              <a:t>In the IT security world, there are 3 things that a very important. Confidentiality, Integrity, Availability, known as CIA. They refer to this as</a:t>
-            </a:r>
-            <a:r>
-              <a:rPr lang="en-GB" dirty="0"/>
-              <a:t> a nonstop recurring triangle and</a:t>
-            </a:r>
+              <a:t>Robot</a:t>
+            </a:r>
+          </a:p>
+          <a:p>
+            <a:r>
+              <a:rPr lang="en-US" sz="3200" dirty="0"/>
+              <a:t>My project started off with a goal to set up a telepresence robot to my building’s network while following NSLS-II polices and procedures. While working on the robot I ran into many obstacles. When gathering the robot and bringing him back to the lab I realized he didn’t come with many instructions or papers to read up on, so I had to rely on online information. Furthering finding out that this robot requires very specific network requirements to connect. The robot doesn’t like when there is a password on the network, so we tried bypassing this by sending the IT department his Mac address to connect him manually, but we are still having trouble and the robot still isn’t liking the connection in the building because of the strict requirements it has so while IT department helps us with that I worked on a few small tasks.</a:t>
+            </a:r>
+          </a:p>
+        </p:txBody>
+      </p:sp>
+      <p:sp>
+        <p:nvSpPr>
+          <p:cNvPr id="5" name="TextBox 4">
+            <a:extLst>
+              <a:ext uri="{FF2B5EF4-FFF2-40B4-BE49-F238E27FC236}">
+                <a16:creationId xmlns:a16="http://schemas.microsoft.com/office/drawing/2014/main" id="{972B3FF8-950A-DF06-E98B-9F366C546B06}"/>
+              </a:ext>
+            </a:extLst>
+          </p:cNvPr>
+          <p:cNvSpPr txBox="1"/>
+          <p:nvPr/>
+        </p:nvSpPr>
+        <p:spPr>
+          <a:xfrm>
+            <a:off x="6142892" y="25017046"/>
+            <a:ext cx="5603631" cy="1023037"/>
+          </a:xfrm>
+          <a:prstGeom prst="rect">
+            <a:avLst/>
+          </a:prstGeom>
+          <a:noFill/>
+        </p:spPr>
+        <p:txBody>
+          <a:bodyPr wrap="square" rtlCol="0">
+            <a:spAutoFit/>
+          </a:bodyPr>
+          <a:lstStyle/>
+          <a:p>
             <a:r>
               <a:rPr lang="en-US" dirty="0"/>
-              <a:t> these 3 things need to be in affect for proper cyber security to be in affect. But as </a:t>
-            </a:r>
-            <a:r>
-              <a:rPr lang="en-US"/>
-              <a:t>we know </a:t>
-            </a:r>
-            <a:endParaRPr lang="en-US" dirty="0"/>
+              <a:t>Audit</a:t>
+            </a:r>
+          </a:p>
+        </p:txBody>
+      </p:sp>
+      <p:sp>
+        <p:nvSpPr>
+          <p:cNvPr id="6" name="TextBox 5">
+            <a:extLst>
+              <a:ext uri="{FF2B5EF4-FFF2-40B4-BE49-F238E27FC236}">
+                <a16:creationId xmlns:a16="http://schemas.microsoft.com/office/drawing/2014/main" id="{72BCB13A-8BA9-52D1-1BD6-C005C3A6E700}"/>
+              </a:ext>
+            </a:extLst>
+          </p:cNvPr>
+          <p:cNvSpPr txBox="1"/>
+          <p:nvPr/>
+        </p:nvSpPr>
+        <p:spPr>
+          <a:xfrm>
+            <a:off x="12637476" y="20083444"/>
+            <a:ext cx="13293969" cy="6607258"/>
+          </a:xfrm>
+          <a:prstGeom prst="rect">
+            <a:avLst/>
+          </a:prstGeom>
+          <a:noFill/>
+        </p:spPr>
+        <p:txBody>
+          <a:bodyPr wrap="square" rtlCol="0">
+            <a:spAutoFit/>
+          </a:bodyPr>
+          <a:lstStyle/>
+          <a:p>
+            <a:r>
+              <a:rPr lang="en-US" dirty="0"/>
+              <a:t>Grafana</a:t>
+            </a:r>
+          </a:p>
+          <a:p>
+            <a:r>
+              <a:rPr lang="en-US" dirty="0"/>
+              <a:t>One of the small tasks I worked on was to remodel one of BNL’s operational page on their website. The website shows the status on certain machines and employee and staffs can go on that website to se</a:t>
+            </a:r>
           </a:p>
         </p:txBody>
       </p:sp>
